--- a/Demo1.pptx
+++ b/Demo1.pptx
@@ -7,9 +7,7 @@
   <p:sldIdLst>
     <p:sldId id="261" r:id="rId2"/>
     <p:sldId id="260" r:id="rId3"/>
-    <p:sldId id="257" r:id="rId4"/>
-    <p:sldId id="259" r:id="rId5"/>
-    <p:sldId id="258" r:id="rId6"/>
+    <p:sldId id="259" r:id="rId4"/>
   </p:sldIdLst>
   <p:sldSz cx="12192000" cy="6858000"/>
   <p:notesSz cx="6858000" cy="9144000"/>
@@ -108,6 +106,11 @@
       </a:defRPr>
     </a:lvl9pPr>
   </p:defaultTextStyle>
+  <p:extLst>
+    <p:ext uri="{EFAFB233-063F-42B5-8137-9DF3F51BA10A}">
+      <p15:sldGuideLst xmlns:p15="http://schemas.microsoft.com/office/powerpoint/2012/main"/>
+    </p:ext>
+  </p:extLst>
 </p:presentation>
 </file>
 
@@ -3327,10 +3330,10 @@
       </p:grpSpPr>
       <p:pic>
         <p:nvPicPr>
-          <p:cNvPr id="3" name="Picture 2" descr="A group of graphs showing different colors&#10;&#10;AI-generated content may be incorrect.">
-            <a:extLst>
-              <a:ext uri="{FF2B5EF4-FFF2-40B4-BE49-F238E27FC236}">
-                <a16:creationId xmlns:a16="http://schemas.microsoft.com/office/drawing/2014/main" id="{6A1562B7-E145-1943-0DF5-F3A1EF2EA51A}"/>
+          <p:cNvPr id="4" name="Picture 3" descr="A graph of different colored dots&#10;&#10;AI-generated content may be incorrect.">
+            <a:extLst>
+              <a:ext uri="{FF2B5EF4-FFF2-40B4-BE49-F238E27FC236}">
+                <a16:creationId xmlns:a16="http://schemas.microsoft.com/office/drawing/2014/main" id="{0F9F5EA8-F6B9-A7C1-DDE4-790AEADA9E11}"/>
               </a:ext>
             </a:extLst>
           </p:cNvPr>
@@ -3347,8 +3350,8 @@
         </p:blipFill>
         <p:spPr>
           <a:xfrm>
-            <a:off x="2994454" y="858794"/>
-            <a:ext cx="5506995" cy="4818621"/>
+            <a:off x="1357744" y="173180"/>
+            <a:ext cx="8636001" cy="6477001"/>
           </a:xfrm>
           <a:prstGeom prst="rect">
             <a:avLst/>
@@ -3387,10 +3390,10 @@
       </p:grpSpPr>
       <p:pic>
         <p:nvPicPr>
-          <p:cNvPr id="3" name="Picture 2" descr="A graph of different components&#10;&#10;AI-generated content may be incorrect.">
-            <a:extLst>
-              <a:ext uri="{FF2B5EF4-FFF2-40B4-BE49-F238E27FC236}">
-                <a16:creationId xmlns:a16="http://schemas.microsoft.com/office/drawing/2014/main" id="{FC42165C-E1A8-D592-7F41-E5347595765F}"/>
+          <p:cNvPr id="4" name="Picture 3" descr="A graph of different components&#10;&#10;AI-generated content may be incorrect.">
+            <a:extLst>
+              <a:ext uri="{FF2B5EF4-FFF2-40B4-BE49-F238E27FC236}">
+                <a16:creationId xmlns:a16="http://schemas.microsoft.com/office/drawing/2014/main" id="{240DE077-1FC1-3C26-681E-60799A4989EC}"/>
               </a:ext>
             </a:extLst>
           </p:cNvPr>
@@ -3407,8 +3410,8 @@
         </p:blipFill>
         <p:spPr>
           <a:xfrm>
-            <a:off x="2032000" y="1511300"/>
-            <a:ext cx="7772400" cy="3667601"/>
+            <a:off x="882072" y="901122"/>
+            <a:ext cx="10714184" cy="5055755"/>
           </a:xfrm>
           <a:prstGeom prst="rect">
             <a:avLst/>
@@ -3447,10 +3450,10 @@
       </p:grpSpPr>
       <p:pic>
         <p:nvPicPr>
-          <p:cNvPr id="3" name="Picture 2" descr="A graph of different components&#10;&#10;AI-generated content may be incorrect.">
-            <a:extLst>
-              <a:ext uri="{FF2B5EF4-FFF2-40B4-BE49-F238E27FC236}">
-                <a16:creationId xmlns:a16="http://schemas.microsoft.com/office/drawing/2014/main" id="{B7C8FC2D-7C48-9218-2C0C-7E7923F4C543}"/>
+          <p:cNvPr id="5" name="Picture 4" descr="A graph of a number of dots&#10;&#10;AI-generated content may be incorrect.">
+            <a:extLst>
+              <a:ext uri="{FF2B5EF4-FFF2-40B4-BE49-F238E27FC236}">
+                <a16:creationId xmlns:a16="http://schemas.microsoft.com/office/drawing/2014/main" id="{7FFBA009-4EAE-545A-8FAD-AC75BF1F2706}"/>
               </a:ext>
             </a:extLst>
           </p:cNvPr>
@@ -3467,206 +3470,8 @@
         </p:blipFill>
         <p:spPr>
           <a:xfrm>
-            <a:off x="2032000" y="1511300"/>
-            <a:ext cx="7772400" cy="3667601"/>
-          </a:xfrm>
-          <a:prstGeom prst="rect">
-            <a:avLst/>
-          </a:prstGeom>
-        </p:spPr>
-      </p:pic>
-      <p:sp>
-        <p:nvSpPr>
-          <p:cNvPr id="4" name="TextBox 3">
-            <a:extLst>
-              <a:ext uri="{FF2B5EF4-FFF2-40B4-BE49-F238E27FC236}">
-                <a16:creationId xmlns:a16="http://schemas.microsoft.com/office/drawing/2014/main" id="{D20814FA-2DD8-CE88-4745-010EB54FCFDB}"/>
-              </a:ext>
-            </a:extLst>
-          </p:cNvPr>
-          <p:cNvSpPr txBox="1"/>
-          <p:nvPr/>
-        </p:nvSpPr>
-        <p:spPr>
-          <a:xfrm>
-            <a:off x="3455581" y="180753"/>
-            <a:ext cx="2126512" cy="369332"/>
-          </a:xfrm>
-          <a:prstGeom prst="rect">
-            <a:avLst/>
-          </a:prstGeom>
-          <a:noFill/>
-        </p:spPr>
-        <p:txBody>
-          <a:bodyPr wrap="square" rtlCol="0">
-            <a:spAutoFit/>
-          </a:bodyPr>
-          <a:lstStyle/>
-          <a:p>
-            <a:r>
-              <a:rPr lang="en-US" dirty="0">
-                <a:solidFill>
-                  <a:srgbClr val="FF0000"/>
-                </a:solidFill>
-              </a:rPr>
-              <a:t>* features only</a:t>
-            </a:r>
-          </a:p>
-        </p:txBody>
-      </p:sp>
-    </p:spTree>
-    <p:extLst>
-      <p:ext uri="{BB962C8B-B14F-4D97-AF65-F5344CB8AC3E}">
-        <p14:creationId xmlns:p14="http://schemas.microsoft.com/office/powerpoint/2010/main" val="276656414"/>
-      </p:ext>
-    </p:extLst>
-  </p:cSld>
-  <p:clrMapOvr>
-    <a:masterClrMapping/>
-  </p:clrMapOvr>
-</p:sld>
-</file>
-
-<file path=ppt/slides/slide4.xml><?xml version="1.0" encoding="utf-8"?>
-<p:sld xmlns:a="http://schemas.openxmlformats.org/drawingml/2006/main" xmlns:r="http://schemas.openxmlformats.org/officeDocument/2006/relationships" xmlns:p="http://schemas.openxmlformats.org/presentationml/2006/main">
-  <p:cSld>
-    <p:spTree>
-      <p:nvGrpSpPr>
-        <p:cNvPr id="1" name=""/>
-        <p:cNvGrpSpPr/>
-        <p:nvPr/>
-      </p:nvGrpSpPr>
-      <p:grpSpPr>
-        <a:xfrm>
-          <a:off x="0" y="0"/>
-          <a:ext cx="0" cy="0"/>
-          <a:chOff x="0" y="0"/>
-          <a:chExt cx="0" cy="0"/>
-        </a:xfrm>
-      </p:grpSpPr>
-      <p:pic>
-        <p:nvPicPr>
-          <p:cNvPr id="3" name="Picture 2" descr="A graph of a number of dots&#10;&#10;AI-generated content may be incorrect.">
-            <a:extLst>
-              <a:ext uri="{FF2B5EF4-FFF2-40B4-BE49-F238E27FC236}">
-                <a16:creationId xmlns:a16="http://schemas.microsoft.com/office/drawing/2014/main" id="{60009C2B-CF60-E754-645C-B3525DD357F4}"/>
-              </a:ext>
-            </a:extLst>
-          </p:cNvPr>
-          <p:cNvPicPr>
-            <a:picLocks noChangeAspect="1"/>
-          </p:cNvPicPr>
-          <p:nvPr/>
-        </p:nvPicPr>
-        <p:blipFill>
-          <a:blip r:embed="rId2"/>
-          <a:stretch>
-            <a:fillRect/>
-          </a:stretch>
-        </p:blipFill>
-        <p:spPr>
-          <a:xfrm>
-            <a:off x="1390650" y="514350"/>
-            <a:ext cx="7772400" cy="4814482"/>
-          </a:xfrm>
-          <a:prstGeom prst="rect">
-            <a:avLst/>
-          </a:prstGeom>
-        </p:spPr>
-      </p:pic>
-      <p:sp>
-        <p:nvSpPr>
-          <p:cNvPr id="4" name="TextBox 3">
-            <a:extLst>
-              <a:ext uri="{FF2B5EF4-FFF2-40B4-BE49-F238E27FC236}">
-                <a16:creationId xmlns:a16="http://schemas.microsoft.com/office/drawing/2014/main" id="{390351C8-1682-869F-3D34-7D34F0521AB6}"/>
-              </a:ext>
-            </a:extLst>
-          </p:cNvPr>
-          <p:cNvSpPr txBox="1"/>
-          <p:nvPr/>
-        </p:nvSpPr>
-        <p:spPr>
-          <a:xfrm>
-            <a:off x="3455581" y="180753"/>
-            <a:ext cx="2126512" cy="369332"/>
-          </a:xfrm>
-          <a:prstGeom prst="rect">
-            <a:avLst/>
-          </a:prstGeom>
-          <a:noFill/>
-        </p:spPr>
-        <p:txBody>
-          <a:bodyPr wrap="square" rtlCol="0">
-            <a:spAutoFit/>
-          </a:bodyPr>
-          <a:lstStyle/>
-          <a:p>
-            <a:r>
-              <a:rPr lang="en-US" dirty="0">
-                <a:solidFill>
-                  <a:srgbClr val="FF0000"/>
-                </a:solidFill>
-              </a:rPr>
-              <a:t>* features only</a:t>
-            </a:r>
-          </a:p>
-        </p:txBody>
-      </p:sp>
-    </p:spTree>
-    <p:extLst>
-      <p:ext uri="{BB962C8B-B14F-4D97-AF65-F5344CB8AC3E}">
-        <p14:creationId xmlns:p14="http://schemas.microsoft.com/office/powerpoint/2010/main" val="4102378961"/>
-      </p:ext>
-    </p:extLst>
-  </p:cSld>
-  <p:clrMapOvr>
-    <a:masterClrMapping/>
-  </p:clrMapOvr>
-</p:sld>
-</file>
-
-<file path=ppt/slides/slide5.xml><?xml version="1.0" encoding="utf-8"?>
-<p:sld xmlns:a="http://schemas.openxmlformats.org/drawingml/2006/main" xmlns:r="http://schemas.openxmlformats.org/officeDocument/2006/relationships" xmlns:p="http://schemas.openxmlformats.org/presentationml/2006/main">
-  <p:cSld>
-    <p:spTree>
-      <p:nvGrpSpPr>
-        <p:cNvPr id="1" name=""/>
-        <p:cNvGrpSpPr/>
-        <p:nvPr/>
-      </p:nvGrpSpPr>
-      <p:grpSpPr>
-        <a:xfrm>
-          <a:off x="0" y="0"/>
-          <a:ext cx="0" cy="0"/>
-          <a:chOff x="0" y="0"/>
-          <a:chExt cx="0" cy="0"/>
-        </a:xfrm>
-      </p:grpSpPr>
-      <p:pic>
-        <p:nvPicPr>
-          <p:cNvPr id="3" name="Picture 2" descr="A graph of a number of dots&#10;&#10;AI-generated content may be incorrect.">
-            <a:extLst>
-              <a:ext uri="{FF2B5EF4-FFF2-40B4-BE49-F238E27FC236}">
-                <a16:creationId xmlns:a16="http://schemas.microsoft.com/office/drawing/2014/main" id="{366852BF-D807-9D51-372D-27EE5315014A}"/>
-              </a:ext>
-            </a:extLst>
-          </p:cNvPr>
-          <p:cNvPicPr>
-            <a:picLocks noChangeAspect="1"/>
-          </p:cNvPicPr>
-          <p:nvPr/>
-        </p:nvPicPr>
-        <p:blipFill>
-          <a:blip r:embed="rId2"/>
-          <a:stretch>
-            <a:fillRect/>
-          </a:stretch>
-        </p:blipFill>
-        <p:spPr>
-          <a:xfrm>
-            <a:off x="1390650" y="514350"/>
-            <a:ext cx="7772400" cy="4814482"/>
+            <a:off x="1016577" y="396885"/>
+            <a:ext cx="9789968" cy="6064230"/>
           </a:xfrm>
           <a:prstGeom prst="rect">
             <a:avLst/>
@@ -3676,7 +3481,7 @@
     </p:spTree>
     <p:extLst>
       <p:ext uri="{BB962C8B-B14F-4D97-AF65-F5344CB8AC3E}">
-        <p14:creationId xmlns:p14="http://schemas.microsoft.com/office/powerpoint/2010/main" val="4291987369"/>
+        <p14:creationId xmlns:p14="http://schemas.microsoft.com/office/powerpoint/2010/main" val="4102378961"/>
       </p:ext>
     </p:extLst>
   </p:cSld>
